--- a/Barona_Melissa_Guided_Capstone_presentation.pptx
+++ b/Barona_Melissa_Guided_Capstone_presentation.pptx
@@ -6,14 +6,15 @@
   </p:sldMasterIdLst>
   <p:sldIdLst>
     <p:sldId id="256" r:id="rId2"/>
-    <p:sldId id="257" r:id="rId3"/>
-    <p:sldId id="263" r:id="rId4"/>
-    <p:sldId id="259" r:id="rId5"/>
-    <p:sldId id="260" r:id="rId6"/>
-    <p:sldId id="264" r:id="rId7"/>
-    <p:sldId id="265" r:id="rId8"/>
-    <p:sldId id="261" r:id="rId9"/>
-    <p:sldId id="262" r:id="rId10"/>
+    <p:sldId id="266" r:id="rId3"/>
+    <p:sldId id="257" r:id="rId4"/>
+    <p:sldId id="263" r:id="rId5"/>
+    <p:sldId id="259" r:id="rId6"/>
+    <p:sldId id="260" r:id="rId7"/>
+    <p:sldId id="264" r:id="rId8"/>
+    <p:sldId id="265" r:id="rId9"/>
+    <p:sldId id="261" r:id="rId10"/>
+    <p:sldId id="262" r:id="rId11"/>
   </p:sldIdLst>
   <p:sldSz cx="12192000" cy="6858000"/>
   <p:notesSz cx="6858000" cy="9144000"/>
@@ -112,7 +113,102 @@
       </a:defRPr>
     </a:lvl9pPr>
   </p:defaultTextStyle>
+  <p:extLst>
+    <p:ext uri="{EFAFB233-063F-42B5-8137-9DF3F51BA10A}">
+      <p15:sldGuideLst xmlns:p15="http://schemas.microsoft.com/office/powerpoint/2012/main"/>
+    </p:ext>
+  </p:extLst>
 </p:presentation>
+</file>
+
+<file path=ppt/changesInfos/changesInfo1.xml><?xml version="1.0" encoding="utf-8"?>
+<pc:chgInfo xmlns:a="http://schemas.openxmlformats.org/drawingml/2006/main" xmlns:r="http://schemas.openxmlformats.org/officeDocument/2006/relationships" xmlns:ac="http://schemas.microsoft.com/office/drawing/2013/main/command" xmlns:pc="http://schemas.microsoft.com/office/powerpoint/2013/main/command">
+  <pc:docChgLst>
+    <pc:chgData name="Barona Mosquera, Melissa" userId="a3faccf8-a84b-43fe-a030-d7bf7f0a8964" providerId="ADAL" clId="{BB284B6C-3935-4E46-B48C-5C77D64594E2}"/>
+    <pc:docChg chg="undo custSel addSld modSld">
+      <pc:chgData name="Barona Mosquera, Melissa" userId="a3faccf8-a84b-43fe-a030-d7bf7f0a8964" providerId="ADAL" clId="{BB284B6C-3935-4E46-B48C-5C77D64594E2}" dt="2022-01-12T19:54:27.938" v="156" actId="20577"/>
+      <pc:docMkLst>
+        <pc:docMk/>
+      </pc:docMkLst>
+      <pc:sldChg chg="addSp modSp mod">
+        <pc:chgData name="Barona Mosquera, Melissa" userId="a3faccf8-a84b-43fe-a030-d7bf7f0a8964" providerId="ADAL" clId="{BB284B6C-3935-4E46-B48C-5C77D64594E2}" dt="2022-01-12T19:40:19.458" v="142" actId="1076"/>
+        <pc:sldMkLst>
+          <pc:docMk/>
+          <pc:sldMk cId="1737219377" sldId="257"/>
+        </pc:sldMkLst>
+        <pc:spChg chg="mod">
+          <ac:chgData name="Barona Mosquera, Melissa" userId="a3faccf8-a84b-43fe-a030-d7bf7f0a8964" providerId="ADAL" clId="{BB284B6C-3935-4E46-B48C-5C77D64594E2}" dt="2022-01-12T19:38:38.773" v="126" actId="20577"/>
+          <ac:spMkLst>
+            <pc:docMk/>
+            <pc:sldMk cId="1737219377" sldId="257"/>
+            <ac:spMk id="5" creationId="{09BE5444-7BD0-4F58-B866-D6356BA73B6B}"/>
+          </ac:spMkLst>
+        </pc:spChg>
+        <pc:spChg chg="add mod">
+          <ac:chgData name="Barona Mosquera, Melissa" userId="a3faccf8-a84b-43fe-a030-d7bf7f0a8964" providerId="ADAL" clId="{BB284B6C-3935-4E46-B48C-5C77D64594E2}" dt="2022-01-12T19:40:19.458" v="142" actId="1076"/>
+          <ac:spMkLst>
+            <pc:docMk/>
+            <pc:sldMk cId="1737219377" sldId="257"/>
+            <ac:spMk id="7" creationId="{AC2565F0-268B-45E9-98CB-880DF31BBC30}"/>
+          </ac:spMkLst>
+        </pc:spChg>
+      </pc:sldChg>
+      <pc:sldChg chg="modSp mod">
+        <pc:chgData name="Barona Mosquera, Melissa" userId="a3faccf8-a84b-43fe-a030-d7bf7f0a8964" providerId="ADAL" clId="{BB284B6C-3935-4E46-B48C-5C77D64594E2}" dt="2022-01-12T19:54:27.938" v="156" actId="20577"/>
+        <pc:sldMkLst>
+          <pc:docMk/>
+          <pc:sldMk cId="3208820185" sldId="262"/>
+        </pc:sldMkLst>
+        <pc:spChg chg="mod">
+          <ac:chgData name="Barona Mosquera, Melissa" userId="a3faccf8-a84b-43fe-a030-d7bf7f0a8964" providerId="ADAL" clId="{BB284B6C-3935-4E46-B48C-5C77D64594E2}" dt="2022-01-12T19:54:27.938" v="156" actId="20577"/>
+          <ac:spMkLst>
+            <pc:docMk/>
+            <pc:sldMk cId="3208820185" sldId="262"/>
+            <ac:spMk id="3" creationId="{859BDC8A-3C40-4A88-87FD-84132F5CD270}"/>
+          </ac:spMkLst>
+        </pc:spChg>
+      </pc:sldChg>
+      <pc:sldChg chg="modSp mod">
+        <pc:chgData name="Barona Mosquera, Melissa" userId="a3faccf8-a84b-43fe-a030-d7bf7f0a8964" providerId="ADAL" clId="{BB284B6C-3935-4E46-B48C-5C77D64594E2}" dt="2022-01-12T19:15:07.772" v="1" actId="20577"/>
+        <pc:sldMkLst>
+          <pc:docMk/>
+          <pc:sldMk cId="2996684919" sldId="265"/>
+        </pc:sldMkLst>
+        <pc:spChg chg="mod">
+          <ac:chgData name="Barona Mosquera, Melissa" userId="a3faccf8-a84b-43fe-a030-d7bf7f0a8964" providerId="ADAL" clId="{BB284B6C-3935-4E46-B48C-5C77D64594E2}" dt="2022-01-12T19:15:07.772" v="1" actId="20577"/>
+          <ac:spMkLst>
+            <pc:docMk/>
+            <pc:sldMk cId="2996684919" sldId="265"/>
+            <ac:spMk id="13" creationId="{2592B447-682F-4AFD-9300-45903EFC9631}"/>
+          </ac:spMkLst>
+        </pc:spChg>
+      </pc:sldChg>
+      <pc:sldChg chg="modSp new mod">
+        <pc:chgData name="Barona Mosquera, Melissa" userId="a3faccf8-a84b-43fe-a030-d7bf7f0a8964" providerId="ADAL" clId="{BB284B6C-3935-4E46-B48C-5C77D64594E2}" dt="2022-01-12T19:31:47.978" v="96" actId="1076"/>
+        <pc:sldMkLst>
+          <pc:docMk/>
+          <pc:sldMk cId="4038681467" sldId="266"/>
+        </pc:sldMkLst>
+        <pc:spChg chg="mod">
+          <ac:chgData name="Barona Mosquera, Melissa" userId="a3faccf8-a84b-43fe-a030-d7bf7f0a8964" providerId="ADAL" clId="{BB284B6C-3935-4E46-B48C-5C77D64594E2}" dt="2022-01-12T19:29:43.470" v="37" actId="20577"/>
+          <ac:spMkLst>
+            <pc:docMk/>
+            <pc:sldMk cId="4038681467" sldId="266"/>
+            <ac:spMk id="2" creationId="{12A77C67-3BE6-4A3F-81C3-4BE5BA3D04C1}"/>
+          </ac:spMkLst>
+        </pc:spChg>
+        <pc:spChg chg="mod">
+          <ac:chgData name="Barona Mosquera, Melissa" userId="a3faccf8-a84b-43fe-a030-d7bf7f0a8964" providerId="ADAL" clId="{BB284B6C-3935-4E46-B48C-5C77D64594E2}" dt="2022-01-12T19:31:47.978" v="96" actId="1076"/>
+          <ac:spMkLst>
+            <pc:docMk/>
+            <pc:sldMk cId="4038681467" sldId="266"/>
+            <ac:spMk id="3" creationId="{FDE12A60-6B31-4F59-9CC6-1841ACCF21F7}"/>
+          </ac:spMkLst>
+        </pc:spChg>
+      </pc:sldChg>
+    </pc:docChg>
+  </pc:docChgLst>
+</pc:chgInfo>
 </file>
 
 <file path=ppt/diagrams/colors1.xml><?xml version="1.0" encoding="utf-8"?>
@@ -2270,10 +2366,24 @@
     <dgm:pt modelId="{7EBC7609-6D8E-45E3-B8D2-FA55E225707F}" type="parTrans" cxnId="{45C58119-8923-447C-8DE1-5ED5221898BF}">
       <dgm:prSet/>
       <dgm:spPr/>
+      <dgm:t>
+        <a:bodyPr/>
+        <a:lstStyle/>
+        <a:p>
+          <a:endParaRPr lang="en-US"/>
+        </a:p>
+      </dgm:t>
     </dgm:pt>
     <dgm:pt modelId="{59C268FD-0C2A-42A8-8CDC-2B276791E282}" type="sibTrans" cxnId="{45C58119-8923-447C-8DE1-5ED5221898BF}">
       <dgm:prSet/>
       <dgm:spPr/>
+      <dgm:t>
+        <a:bodyPr/>
+        <a:lstStyle/>
+        <a:p>
+          <a:endParaRPr lang="en-US"/>
+        </a:p>
+      </dgm:t>
     </dgm:pt>
     <dgm:pt modelId="{9A3C0E96-98BA-4AEE-9536-8FF200E833FE}" type="pres">
       <dgm:prSet presAssocID="{D0886DB5-337D-4DDB-A136-8C43F5858458}" presName="Name0" presStyleCnt="0">
@@ -5876,7 +5986,7 @@
           <a:p>
             <a:fld id="{110BBBFD-57C8-4CD3-B1A8-1D3D1FD435BB}" type="datetimeFigureOut">
               <a:rPr lang="en-US" smtClean="0"/>
-              <a:t>1/8/2022</a:t>
+              <a:t>1/12/2022</a:t>
             </a:fld>
             <a:endParaRPr lang="en-US"/>
           </a:p>
@@ -6151,7 +6261,7 @@
           <a:p>
             <a:fld id="{110BBBFD-57C8-4CD3-B1A8-1D3D1FD435BB}" type="datetimeFigureOut">
               <a:rPr lang="en-US" smtClean="0"/>
-              <a:t>1/8/2022</a:t>
+              <a:t>1/12/2022</a:t>
             </a:fld>
             <a:endParaRPr lang="en-US"/>
           </a:p>
@@ -6345,7 +6455,7 @@
           <a:p>
             <a:fld id="{110BBBFD-57C8-4CD3-B1A8-1D3D1FD435BB}" type="datetimeFigureOut">
               <a:rPr lang="en-US" smtClean="0"/>
-              <a:t>1/8/2022</a:t>
+              <a:t>1/12/2022</a:t>
             </a:fld>
             <a:endParaRPr lang="en-US"/>
           </a:p>
@@ -6618,7 +6728,7 @@
           <a:p>
             <a:fld id="{110BBBFD-57C8-4CD3-B1A8-1D3D1FD435BB}" type="datetimeFigureOut">
               <a:rPr lang="en-US" smtClean="0"/>
-              <a:t>1/8/2022</a:t>
+              <a:t>1/12/2022</a:t>
             </a:fld>
             <a:endParaRPr lang="en-US"/>
           </a:p>
@@ -6959,7 +7069,7 @@
           <a:p>
             <a:fld id="{110BBBFD-57C8-4CD3-B1A8-1D3D1FD435BB}" type="datetimeFigureOut">
               <a:rPr lang="en-US" smtClean="0"/>
-              <a:t>1/8/2022</a:t>
+              <a:t>1/12/2022</a:t>
             </a:fld>
             <a:endParaRPr lang="en-US"/>
           </a:p>
@@ -7582,7 +7692,7 @@
           <a:p>
             <a:fld id="{110BBBFD-57C8-4CD3-B1A8-1D3D1FD435BB}" type="datetimeFigureOut">
               <a:rPr lang="en-US" smtClean="0"/>
-              <a:t>1/8/2022</a:t>
+              <a:t>1/12/2022</a:t>
             </a:fld>
             <a:endParaRPr lang="en-US"/>
           </a:p>
@@ -8442,7 +8552,7 @@
           <a:p>
             <a:fld id="{110BBBFD-57C8-4CD3-B1A8-1D3D1FD435BB}" type="datetimeFigureOut">
               <a:rPr lang="en-US" smtClean="0"/>
-              <a:t>1/8/2022</a:t>
+              <a:t>1/12/2022</a:t>
             </a:fld>
             <a:endParaRPr lang="en-US"/>
           </a:p>
@@ -8612,7 +8722,7 @@
           <a:p>
             <a:fld id="{110BBBFD-57C8-4CD3-B1A8-1D3D1FD435BB}" type="datetimeFigureOut">
               <a:rPr lang="en-US" smtClean="0"/>
-              <a:t>1/8/2022</a:t>
+              <a:t>1/12/2022</a:t>
             </a:fld>
             <a:endParaRPr lang="en-US"/>
           </a:p>
@@ -8792,7 +8902,7 @@
           <a:p>
             <a:fld id="{110BBBFD-57C8-4CD3-B1A8-1D3D1FD435BB}" type="datetimeFigureOut">
               <a:rPr lang="en-US" smtClean="0"/>
-              <a:t>1/8/2022</a:t>
+              <a:t>1/12/2022</a:t>
             </a:fld>
             <a:endParaRPr lang="en-US"/>
           </a:p>
@@ -8962,7 +9072,7 @@
           <a:p>
             <a:fld id="{110BBBFD-57C8-4CD3-B1A8-1D3D1FD435BB}" type="datetimeFigureOut">
               <a:rPr lang="en-US" smtClean="0"/>
-              <a:t>1/8/2022</a:t>
+              <a:t>1/12/2022</a:t>
             </a:fld>
             <a:endParaRPr lang="en-US"/>
           </a:p>
@@ -9209,7 +9319,7 @@
           <a:p>
             <a:fld id="{110BBBFD-57C8-4CD3-B1A8-1D3D1FD435BB}" type="datetimeFigureOut">
               <a:rPr lang="en-US" smtClean="0"/>
-              <a:t>1/8/2022</a:t>
+              <a:t>1/12/2022</a:t>
             </a:fld>
             <a:endParaRPr lang="en-US"/>
           </a:p>
@@ -9501,7 +9611,7 @@
           <a:p>
             <a:fld id="{110BBBFD-57C8-4CD3-B1A8-1D3D1FD435BB}" type="datetimeFigureOut">
               <a:rPr lang="en-US" smtClean="0"/>
-              <a:t>1/8/2022</a:t>
+              <a:t>1/12/2022</a:t>
             </a:fld>
             <a:endParaRPr lang="en-US"/>
           </a:p>
@@ -9945,7 +10055,7 @@
           <a:p>
             <a:fld id="{110BBBFD-57C8-4CD3-B1A8-1D3D1FD435BB}" type="datetimeFigureOut">
               <a:rPr lang="en-US" smtClean="0"/>
-              <a:t>1/8/2022</a:t>
+              <a:t>1/12/2022</a:t>
             </a:fld>
             <a:endParaRPr lang="en-US"/>
           </a:p>
@@ -10063,7 +10173,7 @@
           <a:p>
             <a:fld id="{110BBBFD-57C8-4CD3-B1A8-1D3D1FD435BB}" type="datetimeFigureOut">
               <a:rPr lang="en-US" smtClean="0"/>
-              <a:t>1/8/2022</a:t>
+              <a:t>1/12/2022</a:t>
             </a:fld>
             <a:endParaRPr lang="en-US"/>
           </a:p>
@@ -10158,7 +10268,7 @@
           <a:p>
             <a:fld id="{110BBBFD-57C8-4CD3-B1A8-1D3D1FD435BB}" type="datetimeFigureOut">
               <a:rPr lang="en-US" smtClean="0"/>
-              <a:t>1/8/2022</a:t>
+              <a:t>1/12/2022</a:t>
             </a:fld>
             <a:endParaRPr lang="en-US"/>
           </a:p>
@@ -10437,7 +10547,7 @@
           <a:p>
             <a:fld id="{110BBBFD-57C8-4CD3-B1A8-1D3D1FD435BB}" type="datetimeFigureOut">
               <a:rPr lang="en-US" smtClean="0"/>
-              <a:t>1/8/2022</a:t>
+              <a:t>1/12/2022</a:t>
             </a:fld>
             <a:endParaRPr lang="en-US"/>
           </a:p>
@@ -10712,7 +10822,7 @@
           <a:p>
             <a:fld id="{110BBBFD-57C8-4CD3-B1A8-1D3D1FD435BB}" type="datetimeFigureOut">
               <a:rPr lang="en-US" smtClean="0"/>
-              <a:t>1/8/2022</a:t>
+              <a:t>1/12/2022</a:t>
             </a:fld>
             <a:endParaRPr lang="en-US"/>
           </a:p>
@@ -11141,7 +11251,7 @@
           <a:p>
             <a:fld id="{110BBBFD-57C8-4CD3-B1A8-1D3D1FD435BB}" type="datetimeFigureOut">
               <a:rPr lang="en-US" smtClean="0"/>
-              <a:t>1/8/2022</a:t>
+              <a:t>1/12/2022</a:t>
             </a:fld>
             <a:endParaRPr lang="en-US"/>
           </a:p>
@@ -11744,7 +11854,297 @@
 </p:sld>
 </file>
 
+<file path=ppt/slides/slide10.xml><?xml version="1.0" encoding="utf-8"?>
+<p:sld xmlns:a="http://schemas.openxmlformats.org/drawingml/2006/main" xmlns:r="http://schemas.openxmlformats.org/officeDocument/2006/relationships" xmlns:p="http://schemas.openxmlformats.org/presentationml/2006/main">
+  <p:cSld>
+    <p:spTree>
+      <p:nvGrpSpPr>
+        <p:cNvPr id="1" name=""/>
+        <p:cNvGrpSpPr/>
+        <p:nvPr/>
+      </p:nvGrpSpPr>
+      <p:grpSpPr>
+        <a:xfrm>
+          <a:off x="0" y="0"/>
+          <a:ext cx="0" cy="0"/>
+          <a:chOff x="0" y="0"/>
+          <a:chExt cx="0" cy="0"/>
+        </a:xfrm>
+      </p:grpSpPr>
+      <p:sp>
+        <p:nvSpPr>
+          <p:cNvPr id="2" name="Title 1">
+            <a:extLst>
+              <a:ext uri="{FF2B5EF4-FFF2-40B4-BE49-F238E27FC236}">
+                <a16:creationId xmlns:a16="http://schemas.microsoft.com/office/drawing/2014/main" id="{899E4E1D-DBCB-4D80-B53A-F0E441B122EF}"/>
+              </a:ext>
+            </a:extLst>
+          </p:cNvPr>
+          <p:cNvSpPr>
+            <a:spLocks noGrp="1"/>
+          </p:cNvSpPr>
+          <p:nvPr>
+            <p:ph type="title"/>
+          </p:nvPr>
+        </p:nvSpPr>
+        <p:spPr/>
+        <p:txBody>
+          <a:bodyPr/>
+          <a:lstStyle/>
+          <a:p>
+            <a:r>
+              <a:rPr lang="en-US" dirty="0"/>
+              <a:t>Summary and Conclusions</a:t>
+            </a:r>
+          </a:p>
+        </p:txBody>
+      </p:sp>
+      <p:sp>
+        <p:nvSpPr>
+          <p:cNvPr id="3" name="Content Placeholder 2">
+            <a:extLst>
+              <a:ext uri="{FF2B5EF4-FFF2-40B4-BE49-F238E27FC236}">
+                <a16:creationId xmlns:a16="http://schemas.microsoft.com/office/drawing/2014/main" id="{859BDC8A-3C40-4A88-87FD-84132F5CD270}"/>
+              </a:ext>
+            </a:extLst>
+          </p:cNvPr>
+          <p:cNvSpPr>
+            <a:spLocks noGrp="1"/>
+          </p:cNvSpPr>
+          <p:nvPr>
+            <p:ph idx="1"/>
+          </p:nvPr>
+        </p:nvSpPr>
+        <p:spPr/>
+        <p:txBody>
+          <a:bodyPr/>
+          <a:lstStyle/>
+          <a:p>
+            <a:r>
+              <a:rPr lang="en-US" sz="1800" dirty="0">
+                <a:effectLst/>
+                <a:latin typeface="Arial" panose="020B0604020202020204" pitchFamily="34" charset="0"/>
+                <a:ea typeface="Calibri" panose="020F0502020204030204" pitchFamily="34" charset="0"/>
+              </a:rPr>
+              <a:t>Currently, Big Mountain Resort charges $81.00 for the adult weekend ticket price</a:t>
+            </a:r>
+          </a:p>
+          <a:p>
+            <a:r>
+              <a:rPr lang="en-US" sz="1800" dirty="0">
+                <a:effectLst/>
+                <a:latin typeface="Arial" panose="020B0604020202020204" pitchFamily="34" charset="0"/>
+                <a:ea typeface="Calibri" panose="020F0502020204030204" pitchFamily="34" charset="0"/>
+              </a:rPr>
+              <a:t> The model suggests that the resort should be charging $95.87, with a margin of $10.39</a:t>
+            </a:r>
+          </a:p>
+          <a:p>
+            <a:r>
+              <a:rPr lang="en-US" sz="1800" dirty="0">
+                <a:effectLst/>
+                <a:latin typeface="Arial" panose="020B0604020202020204" pitchFamily="34" charset="0"/>
+                <a:ea typeface="Calibri" panose="020F0502020204030204" pitchFamily="34" charset="0"/>
+              </a:rPr>
+              <a:t>Big Mountain Resort outperforms most U.S. resorts in the facilities that visitors value the most, including vertical drop, number of chairs, and number of runs</a:t>
+            </a:r>
+          </a:p>
+          <a:p>
+            <a:r>
+              <a:rPr lang="en-US" sz="1800" dirty="0">
+                <a:effectLst/>
+                <a:latin typeface="Arial" panose="020B0604020202020204" pitchFamily="34" charset="0"/>
+                <a:ea typeface="Calibri" panose="020F0502020204030204" pitchFamily="34" charset="0"/>
+              </a:rPr>
+              <a:t>If the resort wants to cut down on costs, up to 1 run can be closed with no effect on revenue</a:t>
+            </a:r>
+          </a:p>
+          <a:p>
+            <a:r>
+              <a:rPr lang="en-US" sz="1800" dirty="0">
+                <a:effectLst/>
+                <a:latin typeface="Arial" panose="020B0604020202020204" pitchFamily="34" charset="0"/>
+                <a:ea typeface="Calibri" panose="020F0502020204030204" pitchFamily="34" charset="0"/>
+              </a:rPr>
+              <a:t> </a:t>
+            </a:r>
+            <a:r>
+              <a:rPr lang="en-US" sz="1800" dirty="0">
+                <a:latin typeface="Arial" panose="020B0604020202020204" pitchFamily="34" charset="0"/>
+                <a:ea typeface="Calibri" panose="020F0502020204030204" pitchFamily="34" charset="0"/>
+              </a:rPr>
+              <a:t>Ticket price can be increased by $1.99 and p</a:t>
+            </a:r>
+            <a:r>
+              <a:rPr lang="en-US" sz="1800" dirty="0">
+                <a:effectLst/>
+                <a:latin typeface="Arial" panose="020B0604020202020204" pitchFamily="34" charset="0"/>
+                <a:ea typeface="Calibri" panose="020F0502020204030204" pitchFamily="34" charset="0"/>
+              </a:rPr>
+              <a:t>rofits can be increased by $ 2 M if the vertical drop is increased by 150 ft, 1 additional chair lift is installed, and 1 run is added</a:t>
+            </a:r>
+          </a:p>
+          <a:p>
+            <a:r>
+              <a:rPr lang="en-US" sz="1800" dirty="0">
+                <a:latin typeface="Arial" panose="020B0604020202020204" pitchFamily="34" charset="0"/>
+              </a:rPr>
+              <a:t>The model can be improved with additional data such as number of visitors and operating costs</a:t>
+            </a:r>
+            <a:endParaRPr lang="en-US" dirty="0"/>
+          </a:p>
+        </p:txBody>
+      </p:sp>
+    </p:spTree>
+    <p:extLst>
+      <p:ext uri="{BB962C8B-B14F-4D97-AF65-F5344CB8AC3E}">
+        <p14:creationId xmlns:p14="http://schemas.microsoft.com/office/powerpoint/2010/main" val="3208820185"/>
+      </p:ext>
+    </p:extLst>
+  </p:cSld>
+  <p:clrMapOvr>
+    <a:masterClrMapping/>
+  </p:clrMapOvr>
+</p:sld>
+</file>
+
 <file path=ppt/slides/slide2.xml><?xml version="1.0" encoding="utf-8"?>
+<p:sld xmlns:a="http://schemas.openxmlformats.org/drawingml/2006/main" xmlns:r="http://schemas.openxmlformats.org/officeDocument/2006/relationships" xmlns:p="http://schemas.openxmlformats.org/presentationml/2006/main">
+  <p:cSld>
+    <p:spTree>
+      <p:nvGrpSpPr>
+        <p:cNvPr id="1" name=""/>
+        <p:cNvGrpSpPr/>
+        <p:nvPr/>
+      </p:nvGrpSpPr>
+      <p:grpSpPr>
+        <a:xfrm>
+          <a:off x="0" y="0"/>
+          <a:ext cx="0" cy="0"/>
+          <a:chOff x="0" y="0"/>
+          <a:chExt cx="0" cy="0"/>
+        </a:xfrm>
+      </p:grpSpPr>
+      <p:sp>
+        <p:nvSpPr>
+          <p:cNvPr id="2" name="Title 1">
+            <a:extLst>
+              <a:ext uri="{FF2B5EF4-FFF2-40B4-BE49-F238E27FC236}">
+                <a16:creationId xmlns:a16="http://schemas.microsoft.com/office/drawing/2014/main" id="{12A77C67-3BE6-4A3F-81C3-4BE5BA3D04C1}"/>
+              </a:ext>
+            </a:extLst>
+          </p:cNvPr>
+          <p:cNvSpPr>
+            <a:spLocks noGrp="1"/>
+          </p:cNvSpPr>
+          <p:nvPr>
+            <p:ph type="title"/>
+          </p:nvPr>
+        </p:nvSpPr>
+        <p:spPr/>
+        <p:txBody>
+          <a:bodyPr/>
+          <a:lstStyle/>
+          <a:p>
+            <a:r>
+              <a:rPr lang="en-US" dirty="0"/>
+              <a:t>Our Client: Big Mountain Resort</a:t>
+            </a:r>
+          </a:p>
+        </p:txBody>
+      </p:sp>
+      <p:sp>
+        <p:nvSpPr>
+          <p:cNvPr id="3" name="Content Placeholder 2">
+            <a:extLst>
+              <a:ext uri="{FF2B5EF4-FFF2-40B4-BE49-F238E27FC236}">
+                <a16:creationId xmlns:a16="http://schemas.microsoft.com/office/drawing/2014/main" id="{FDE12A60-6B31-4F59-9CC6-1841ACCF21F7}"/>
+              </a:ext>
+            </a:extLst>
+          </p:cNvPr>
+          <p:cNvSpPr>
+            <a:spLocks noGrp="1"/>
+          </p:cNvSpPr>
+          <p:nvPr>
+            <p:ph idx="1"/>
+          </p:nvPr>
+        </p:nvSpPr>
+        <p:spPr>
+          <a:xfrm>
+            <a:off x="646111" y="1768438"/>
+            <a:ext cx="10621328" cy="4195481"/>
+          </a:xfrm>
+        </p:spPr>
+        <p:txBody>
+          <a:bodyPr>
+            <a:noAutofit/>
+          </a:bodyPr>
+          <a:lstStyle/>
+          <a:p>
+            <a:r>
+              <a:rPr lang="en-US" sz="1900" dirty="0"/>
+              <a:t>Big Mountain Resort is a ski resort located in Montana. </a:t>
+            </a:r>
+          </a:p>
+          <a:p>
+            <a:r>
+              <a:rPr lang="en-US" sz="1900" dirty="0"/>
+              <a:t>Big Mountain Resort offers spectacular views of Glacier National Park and Flathead National Forest, with access to 105 trails. </a:t>
+            </a:r>
+          </a:p>
+          <a:p>
+            <a:r>
+              <a:rPr lang="en-US" sz="1900" dirty="0"/>
+              <a:t>~ 350,000 visitors a year </a:t>
+            </a:r>
+          </a:p>
+          <a:p>
+            <a:r>
+              <a:rPr lang="en-US" sz="1900" dirty="0"/>
+              <a:t>Offers 11 lifts, 2 T-bars, and 1 magic carpet for novice skiers</a:t>
+            </a:r>
+          </a:p>
+          <a:p>
+            <a:r>
+              <a:rPr lang="en-US" sz="1900" dirty="0"/>
+              <a:t>The longest run is named Hellfire and is 3.3 miles in length</a:t>
+            </a:r>
+          </a:p>
+          <a:p>
+            <a:r>
+              <a:rPr lang="en-US" sz="1900" dirty="0"/>
+              <a:t>The base elevation is 4,464 ft, and the summit is 6,817 ft with a vertical drop of 2,353 ft. </a:t>
+            </a:r>
+          </a:p>
+          <a:p>
+            <a:r>
+              <a:rPr lang="en-US" sz="1900" dirty="0"/>
+              <a:t>Big Mountain Resort has recently installed an additional chair lift to help increase the distribution of visitors across the mountain. </a:t>
+            </a:r>
+          </a:p>
+          <a:p>
+            <a:pPr lvl="1"/>
+            <a:r>
+              <a:rPr lang="en-US" sz="1900" dirty="0"/>
+              <a:t>This additional chair increases their operating costs by $1,540,000 this season. </a:t>
+            </a:r>
+          </a:p>
+        </p:txBody>
+      </p:sp>
+    </p:spTree>
+    <p:extLst>
+      <p:ext uri="{BB962C8B-B14F-4D97-AF65-F5344CB8AC3E}">
+        <p14:creationId xmlns:p14="http://schemas.microsoft.com/office/powerpoint/2010/main" val="4038681467"/>
+      </p:ext>
+    </p:extLst>
+  </p:cSld>
+  <p:clrMapOvr>
+    <a:masterClrMapping/>
+  </p:clrMapOvr>
+</p:sld>
+</file>
+
+<file path=ppt/slides/slide3.xml><?xml version="1.0" encoding="utf-8"?>
 <p:sld xmlns:a="http://schemas.openxmlformats.org/drawingml/2006/main" xmlns:r="http://schemas.openxmlformats.org/officeDocument/2006/relationships" xmlns:p="http://schemas.openxmlformats.org/presentationml/2006/main">
   <p:cSld>
     <p:spTree>
@@ -11867,7 +12267,7 @@
                 <a:ea typeface="Calibri" panose="020F0502020204030204" pitchFamily="34" charset="0"/>
                 <a:cs typeface="Times New Roman" panose="02020603050405020304" pitchFamily="18" charset="0"/>
               </a:rPr>
-              <a:t>Big Mountain currently charges a premium above the average price of resorts in its market segment</a:t>
+              <a:t>Big Mountain currently bases its premium on the average price of resorts in its market segment</a:t>
             </a:r>
           </a:p>
         </p:txBody>
@@ -11953,6 +12353,46 @@
           </a:p>
         </p:txBody>
       </p:sp>
+      <p:sp>
+        <p:nvSpPr>
+          <p:cNvPr id="7" name="TextBox 6">
+            <a:extLst>
+              <a:ext uri="{FF2B5EF4-FFF2-40B4-BE49-F238E27FC236}">
+                <a16:creationId xmlns:a16="http://schemas.microsoft.com/office/drawing/2014/main" id="{AC2565F0-268B-45E9-98CB-880DF31BBC30}"/>
+              </a:ext>
+            </a:extLst>
+          </p:cNvPr>
+          <p:cNvSpPr txBox="1"/>
+          <p:nvPr/>
+        </p:nvSpPr>
+        <p:spPr>
+          <a:xfrm>
+            <a:off x="1853432" y="5146654"/>
+            <a:ext cx="3495040" cy="923330"/>
+          </a:xfrm>
+          <a:prstGeom prst="rect">
+            <a:avLst/>
+          </a:prstGeom>
+          <a:noFill/>
+        </p:spPr>
+        <p:txBody>
+          <a:bodyPr wrap="square">
+            <a:spAutoFit/>
+          </a:bodyPr>
+          <a:lstStyle/>
+          <a:p>
+            <a:r>
+              <a:rPr lang="en-US" sz="1800" dirty="0">
+                <a:effectLst/>
+                <a:latin typeface="Arial" panose="020B0604020202020204" pitchFamily="34" charset="0"/>
+                <a:ea typeface="Calibri" panose="020F0502020204030204" pitchFamily="34" charset="0"/>
+              </a:rPr>
+              <a:t>* Big Mountain Resort currently charges $81.00 for the adult weekend ticket price</a:t>
+            </a:r>
+            <a:endParaRPr lang="en-US" dirty="0"/>
+          </a:p>
+        </p:txBody>
+      </p:sp>
     </p:spTree>
     <p:extLst>
       <p:ext uri="{BB962C8B-B14F-4D97-AF65-F5344CB8AC3E}">
@@ -11966,7 +12406,7 @@
 </p:sld>
 </file>
 
-<file path=ppt/slides/slide3.xml><?xml version="1.0" encoding="utf-8"?>
+<file path=ppt/slides/slide4.xml><?xml version="1.0" encoding="utf-8"?>
 <p:sld xmlns:a="http://schemas.openxmlformats.org/drawingml/2006/main" xmlns:r="http://schemas.openxmlformats.org/officeDocument/2006/relationships" xmlns:p="http://schemas.openxmlformats.org/presentationml/2006/main">
   <p:cSld>
     <p:spTree>
@@ -12725,7 +13165,7 @@
 </p:sld>
 </file>
 
-<file path=ppt/slides/slide4.xml><?xml version="1.0" encoding="utf-8"?>
+<file path=ppt/slides/slide5.xml><?xml version="1.0" encoding="utf-8"?>
 <p:sld xmlns:a="http://schemas.openxmlformats.org/drawingml/2006/main" xmlns:r="http://schemas.openxmlformats.org/officeDocument/2006/relationships" xmlns:p="http://schemas.openxmlformats.org/presentationml/2006/main">
   <p:cSld>
     <p:spTree>
@@ -13013,7 +13453,7 @@
 </p:sld>
 </file>
 
-<file path=ppt/slides/slide5.xml><?xml version="1.0" encoding="utf-8"?>
+<file path=ppt/slides/slide6.xml><?xml version="1.0" encoding="utf-8"?>
 <p:sld xmlns:a="http://schemas.openxmlformats.org/drawingml/2006/main" xmlns:r="http://schemas.openxmlformats.org/officeDocument/2006/relationships" xmlns:p="http://schemas.openxmlformats.org/presentationml/2006/main">
   <p:cSld>
     <p:spTree>
@@ -13164,7 +13604,7 @@
 </p:sld>
 </file>
 
-<file path=ppt/slides/slide6.xml><?xml version="1.0" encoding="utf-8"?>
+<file path=ppt/slides/slide7.xml><?xml version="1.0" encoding="utf-8"?>
 <p:sld xmlns:a="http://schemas.openxmlformats.org/drawingml/2006/main" xmlns:r="http://schemas.openxmlformats.org/officeDocument/2006/relationships" xmlns:p="http://schemas.openxmlformats.org/presentationml/2006/main">
   <p:cSld>
     <p:spTree>
@@ -13321,7 +13761,7 @@
 </p:sld>
 </file>
 
-<file path=ppt/slides/slide7.xml><?xml version="1.0" encoding="utf-8"?>
+<file path=ppt/slides/slide8.xml><?xml version="1.0" encoding="utf-8"?>
 <p:sld xmlns:a="http://schemas.openxmlformats.org/drawingml/2006/main" xmlns:r="http://schemas.openxmlformats.org/officeDocument/2006/relationships" xmlns:p="http://schemas.openxmlformats.org/presentationml/2006/main">
   <p:cSld>
     <p:spTree>
@@ -13561,7 +14001,7 @@
             </a:pPr>
             <a:r>
               <a:rPr lang="en-US" dirty="0"/>
-              <a:t>Closing 3 to 10 runs could decrease revenue by $ 0.5-3.5 M</a:t>
+              <a:t>Closing 2 to 10 runs could decrease revenue by $ 0.5-3.5 M</a:t>
             </a:r>
           </a:p>
         </p:txBody>
@@ -13579,7 +14019,7 @@
 </p:sld>
 </file>
 
-<file path=ppt/slides/slide8.xml><?xml version="1.0" encoding="utf-8"?>
+<file path=ppt/slides/slide9.xml><?xml version="1.0" encoding="utf-8"?>
 <p:sld xmlns:a="http://schemas.openxmlformats.org/drawingml/2006/main" xmlns:r="http://schemas.openxmlformats.org/officeDocument/2006/relationships" xmlns:p="http://schemas.openxmlformats.org/presentationml/2006/main">
   <p:cSld>
     <p:spTree>
@@ -14049,160 +14489,6 @@
     <p:extLst>
       <p:ext uri="{BB962C8B-B14F-4D97-AF65-F5344CB8AC3E}">
         <p14:creationId xmlns:p14="http://schemas.microsoft.com/office/powerpoint/2010/main" val="4217140191"/>
-      </p:ext>
-    </p:extLst>
-  </p:cSld>
-  <p:clrMapOvr>
-    <a:masterClrMapping/>
-  </p:clrMapOvr>
-</p:sld>
-</file>
-
-<file path=ppt/slides/slide9.xml><?xml version="1.0" encoding="utf-8"?>
-<p:sld xmlns:a="http://schemas.openxmlformats.org/drawingml/2006/main" xmlns:r="http://schemas.openxmlformats.org/officeDocument/2006/relationships" xmlns:p="http://schemas.openxmlformats.org/presentationml/2006/main">
-  <p:cSld>
-    <p:spTree>
-      <p:nvGrpSpPr>
-        <p:cNvPr id="1" name=""/>
-        <p:cNvGrpSpPr/>
-        <p:nvPr/>
-      </p:nvGrpSpPr>
-      <p:grpSpPr>
-        <a:xfrm>
-          <a:off x="0" y="0"/>
-          <a:ext cx="0" cy="0"/>
-          <a:chOff x="0" y="0"/>
-          <a:chExt cx="0" cy="0"/>
-        </a:xfrm>
-      </p:grpSpPr>
-      <p:sp>
-        <p:nvSpPr>
-          <p:cNvPr id="2" name="Title 1">
-            <a:extLst>
-              <a:ext uri="{FF2B5EF4-FFF2-40B4-BE49-F238E27FC236}">
-                <a16:creationId xmlns:a16="http://schemas.microsoft.com/office/drawing/2014/main" id="{899E4E1D-DBCB-4D80-B53A-F0E441B122EF}"/>
-              </a:ext>
-            </a:extLst>
-          </p:cNvPr>
-          <p:cNvSpPr>
-            <a:spLocks noGrp="1"/>
-          </p:cNvSpPr>
-          <p:nvPr>
-            <p:ph type="title"/>
-          </p:nvPr>
-        </p:nvSpPr>
-        <p:spPr/>
-        <p:txBody>
-          <a:bodyPr/>
-          <a:lstStyle/>
-          <a:p>
-            <a:r>
-              <a:rPr lang="en-US" dirty="0"/>
-              <a:t>Summary and Conclusions</a:t>
-            </a:r>
-          </a:p>
-        </p:txBody>
-      </p:sp>
-      <p:sp>
-        <p:nvSpPr>
-          <p:cNvPr id="3" name="Content Placeholder 2">
-            <a:extLst>
-              <a:ext uri="{FF2B5EF4-FFF2-40B4-BE49-F238E27FC236}">
-                <a16:creationId xmlns:a16="http://schemas.microsoft.com/office/drawing/2014/main" id="{859BDC8A-3C40-4A88-87FD-84132F5CD270}"/>
-              </a:ext>
-            </a:extLst>
-          </p:cNvPr>
-          <p:cNvSpPr>
-            <a:spLocks noGrp="1"/>
-          </p:cNvSpPr>
-          <p:nvPr>
-            <p:ph idx="1"/>
-          </p:nvPr>
-        </p:nvSpPr>
-        <p:spPr/>
-        <p:txBody>
-          <a:bodyPr/>
-          <a:lstStyle/>
-          <a:p>
-            <a:r>
-              <a:rPr lang="en-US" sz="1800" dirty="0">
-                <a:effectLst/>
-                <a:latin typeface="Arial" panose="020B0604020202020204" pitchFamily="34" charset="0"/>
-                <a:ea typeface="Calibri" panose="020F0502020204030204" pitchFamily="34" charset="0"/>
-              </a:rPr>
-              <a:t>Currently, Big Mountain Resort charges $81.00 for the adult weekend ticket price</a:t>
-            </a:r>
-          </a:p>
-          <a:p>
-            <a:r>
-              <a:rPr lang="en-US" sz="1800" dirty="0">
-                <a:effectLst/>
-                <a:latin typeface="Arial" panose="020B0604020202020204" pitchFamily="34" charset="0"/>
-                <a:ea typeface="Calibri" panose="020F0502020204030204" pitchFamily="34" charset="0"/>
-              </a:rPr>
-              <a:t> The model suggests that the resort should be charging $95.87, with a margin of $10.39</a:t>
-            </a:r>
-          </a:p>
-          <a:p>
-            <a:r>
-              <a:rPr lang="en-US" sz="1800" dirty="0">
-                <a:effectLst/>
-                <a:latin typeface="Arial" panose="020B0604020202020204" pitchFamily="34" charset="0"/>
-                <a:ea typeface="Calibri" panose="020F0502020204030204" pitchFamily="34" charset="0"/>
-              </a:rPr>
-              <a:t>Big Mountain Resort outperforms most U.S. resorts in the facilities that visitors value the most, including vertical drop, number of chairs, and number of runs</a:t>
-            </a:r>
-          </a:p>
-          <a:p>
-            <a:r>
-              <a:rPr lang="en-US" sz="1800" dirty="0">
-                <a:effectLst/>
-                <a:latin typeface="Arial" panose="020B0604020202020204" pitchFamily="34" charset="0"/>
-                <a:ea typeface="Calibri" panose="020F0502020204030204" pitchFamily="34" charset="0"/>
-              </a:rPr>
-              <a:t>If the resort wants to cut down on costs, up to 1 run can be closed with no effect on revenue</a:t>
-            </a:r>
-          </a:p>
-          <a:p>
-            <a:r>
-              <a:rPr lang="en-US" sz="1800" dirty="0">
-                <a:effectLst/>
-                <a:latin typeface="Arial" panose="020B0604020202020204" pitchFamily="34" charset="0"/>
-                <a:ea typeface="Calibri" panose="020F0502020204030204" pitchFamily="34" charset="0"/>
-              </a:rPr>
-              <a:t> </a:t>
-            </a:r>
-            <a:r>
-              <a:rPr lang="en-US" sz="1800" dirty="0">
-                <a:latin typeface="Arial" panose="020B0604020202020204" pitchFamily="34" charset="0"/>
-                <a:ea typeface="Calibri" panose="020F0502020204030204" pitchFamily="34" charset="0"/>
-              </a:rPr>
-              <a:t>Ticket price can be increased by $1.99 and p</a:t>
-            </a:r>
-            <a:r>
-              <a:rPr lang="en-US" sz="1800" dirty="0">
-                <a:effectLst/>
-                <a:latin typeface="Arial" panose="020B0604020202020204" pitchFamily="34" charset="0"/>
-                <a:ea typeface="Calibri" panose="020F0502020204030204" pitchFamily="34" charset="0"/>
-              </a:rPr>
-              <a:t>rofits can be increased by $ 2 M if the vertical drop is increased by 150 ft, 1 additional chair lift is installed, and 1 run is added</a:t>
-            </a:r>
-          </a:p>
-          <a:p>
-            <a:r>
-              <a:rPr lang="en-US" sz="1800" dirty="0">
-                <a:latin typeface="Arial" panose="020B0604020202020204" pitchFamily="34" charset="0"/>
-              </a:rPr>
-              <a:t>The model can be improved with additional data such as number of visitors and operating costs</a:t>
-            </a:r>
-            <a:endParaRPr lang="en-US" dirty="0"/>
-          </a:p>
-        </p:txBody>
-      </p:sp>
-    </p:spTree>
-    <p:extLst>
-      <p:ext uri="{BB962C8B-B14F-4D97-AF65-F5344CB8AC3E}">
-        <p14:creationId xmlns:p14="http://schemas.microsoft.com/office/powerpoint/2010/main" val="3208820185"/>
       </p:ext>
     </p:extLst>
   </p:cSld>
